--- a/course_material/slides/014_bulk_actions.pptx
+++ b/course_material/slides/014_bulk_actions.pptx
@@ -3686,7 +3686,9 @@
           </a:xfrm>
         </p:spPr>
         <p:txBody>
-          <a:bodyPr/>
+          <a:bodyPr>
+            <a:normAutofit lnSpcReduction="10000"/>
+          </a:bodyPr>
           <a:lstStyle/>
           <a:p>
             <a:r>
@@ -3706,6 +3708,26 @@
             <a:r>
               <a:rPr lang="en-US" dirty="0"/>
               <a:t>Note – pseudocode doesn’t really need the details like loop counters. Just the key logical actions. </a:t>
+            </a:r>
+          </a:p>
+          <a:p>
+            <a:pPr lvl="1"/>
+            <a:r>
+              <a:rPr lang="en-US" dirty="0"/>
+              <a:t>Focus on breaking problems down step-by-step, we’ll do some exercises next week. </a:t>
+            </a:r>
+          </a:p>
+          <a:p>
+            <a:r>
+              <a:rPr lang="en-US" dirty="0"/>
+              <a:t>Last class:</a:t>
+            </a:r>
+          </a:p>
+          <a:p>
+            <a:pPr lvl="1"/>
+            <a:r>
+              <a:rPr lang="en-US" dirty="0"/>
+              <a:t>Review array challenge with calendars. </a:t>
             </a:r>
           </a:p>
           <a:p>
@@ -4350,7 +4372,7 @@
         </p:spPr>
         <p:txBody>
           <a:bodyPr>
-            <a:normAutofit/>
+            <a:normAutofit lnSpcReduction="10000"/>
           </a:bodyPr>
           <a:lstStyle/>
           <a:p>
@@ -4360,7 +4382,7 @@
               </a:lnSpc>
             </a:pPr>
             <a:r>
-              <a:rPr lang="en-US" sz="1800" dirty="0"/>
+              <a:rPr lang="en-US" dirty="0"/>
               <a:t>Map also accepts a function and a data structure. </a:t>
             </a:r>
           </a:p>
@@ -4371,7 +4393,7 @@
               </a:lnSpc>
             </a:pPr>
             <a:r>
-              <a:rPr lang="en-US" dirty="0"/>
+              <a:rPr lang="en-US" sz="2000" dirty="0"/>
               <a:t>The function can be a “normal” function or a lambda function. </a:t>
             </a:r>
           </a:p>
@@ -4382,7 +4404,7 @@
               </a:lnSpc>
             </a:pPr>
             <a:r>
-              <a:rPr lang="en-US" sz="1800" dirty="0"/>
+              <a:rPr lang="en-US" dirty="0"/>
               <a:t>Like apply, it is most useful for us when we need to do something to an entire column of data. </a:t>
             </a:r>
           </a:p>
@@ -4393,7 +4415,7 @@
               </a:lnSpc>
             </a:pPr>
             <a:r>
-              <a:rPr lang="en-US" dirty="0"/>
+              <a:rPr lang="en-US" sz="2000" dirty="0"/>
               <a:t>E.g. strip markup from phone numbers, construct a [last, first] name column, etc..</a:t>
             </a:r>
           </a:p>
@@ -4404,7 +4426,7 @@
               </a:lnSpc>
             </a:pPr>
             <a:r>
-              <a:rPr lang="en-US" dirty="0"/>
+              <a:rPr lang="en-US" sz="2400" dirty="0"/>
               <a:t>Map is Lazy – it won’t immediately calculate everything, it’ll wait until needed. </a:t>
             </a:r>
           </a:p>
@@ -4415,14 +4437,9 @@
               </a:lnSpc>
             </a:pPr>
             <a:r>
-              <a:rPr lang="en-US" dirty="0"/>
-              <a:t>If we are squaring a list of a billion numbers, it’ll only calculate it in chunks, not </a:t>
-            </a:r>
-            <a:r>
-              <a:rPr lang="en-US"/>
-              <a:t>1 billion at once. </a:t>
-            </a:r>
-            <a:endParaRPr lang="en-US" dirty="0"/>
+              <a:rPr lang="en-US" sz="2000" dirty="0"/>
+              <a:t>If we are squaring a list of a billion numbers, it’ll only calculate it in chunks, not 1 billion at once. </a:t>
+            </a:r>
           </a:p>
         </p:txBody>
       </p:sp>
@@ -4440,7 +4457,7 @@
           </p:cNvPicPr>
           <p:nvPr/>
         </p:nvPicPr>
-        <p:blipFill>
+        <p:blipFill rotWithShape="1">
           <a:blip r:embed="rId2">
             <a:extLst>
               <a:ext uri="{28A0092B-C50C-407E-A947-70E740481C1C}">
@@ -4448,14 +4465,13 @@
               </a:ext>
             </a:extLst>
           </a:blip>
-          <a:stretch>
-            <a:fillRect/>
-          </a:stretch>
+          <a:srcRect r="9238"/>
+          <a:stretch/>
         </p:blipFill>
         <p:spPr bwMode="auto">
           <a:xfrm>
-            <a:off x="6094411" y="2321385"/>
-            <a:ext cx="6028424" cy="3450612"/>
+            <a:off x="6094411" y="1988334"/>
+            <a:ext cx="6097589" cy="3845447"/>
           </a:xfrm>
           <a:prstGeom prst="rect">
             <a:avLst/>
